--- a/report/董天智20171130.pptx
+++ b/report/董天智20171130.pptx
@@ -7,6 +7,7 @@
   <p:sldIdLst>
     <p:sldId id="256" r:id="rId2"/>
     <p:sldId id="257" r:id="rId3"/>
+    <p:sldId id="258" r:id="rId4"/>
   </p:sldIdLst>
   <p:sldSz cx="12192000" cy="6858000"/>
   <p:notesSz cx="6858000" cy="9144000"/>
@@ -105,6 +106,11 @@
       </a:defRPr>
     </a:lvl9pPr>
   </p:defaultTextStyle>
+  <p:extLst>
+    <p:ext uri="{EFAFB233-063F-42B5-8137-9DF3F51BA10A}">
+      <p15:sldGuideLst xmlns:p15="http://schemas.microsoft.com/office/powerpoint/2012/main"/>
+    </p:ext>
+  </p:extLst>
 </p:presentation>
 </file>
 
@@ -3028,6 +3034,13 @@
   <p:clrMapOvr>
     <a:masterClrMapping/>
   </p:clrMapOvr>
+  <p:timing>
+    <p:tnLst>
+      <p:par>
+        <p:cTn id="1" dur="indefinite" restart="never" nodeType="tmRoot"/>
+      </p:par>
+    </p:tnLst>
+  </p:timing>
 </p:sld>
 </file>
 
@@ -3079,21 +3092,142 @@
         </p:nvSpPr>
         <p:spPr/>
         <p:txBody>
-          <a:bodyPr/>
+          <a:bodyPr>
+            <a:normAutofit/>
+          </a:bodyPr>
           <a:lstStyle/>
           <a:p>
             <a:r>
               <a:rPr lang="zh-CN" altLang="en-US" dirty="0" smtClean="0"/>
-              <a:t>针对模型不能处理比较关系的问题，设计了规则化的方法</a:t>
+              <a:t>针对模型不能处理比较关系的问题</a:t>
+            </a:r>
+            <a:r>
+              <a:rPr lang="zh-CN" altLang="en-US" dirty="0" smtClean="0"/>
+              <a:t>，在尝试调优无明显效果后，设计</a:t>
+            </a:r>
+            <a:r>
+              <a:rPr lang="zh-CN" altLang="en-US" dirty="0" smtClean="0"/>
+              <a:t>了</a:t>
+            </a:r>
+            <a:r>
+              <a:rPr lang="zh-CN" altLang="en-US" dirty="0" smtClean="0"/>
+              <a:t>规则化方法处理一部分比较关系</a:t>
             </a:r>
             <a:endParaRPr lang="en-US" altLang="zh-CN" dirty="0" smtClean="0"/>
           </a:p>
           <a:p>
-            <a:r>
-              <a:rPr lang="zh-CN" altLang="en-US" dirty="0" smtClean="0"/>
-              <a:t>中性比较词：</a:t>
-            </a:r>
-            <a:endParaRPr lang="zh-CN" altLang="en-US" dirty="0"/>
+            <a:pPr marL="0" indent="0">
+              <a:buNone/>
+            </a:pPr>
+            <a:r>
+              <a:rPr lang="zh-CN" altLang="en-US" sz="2000" dirty="0" smtClean="0"/>
+              <a:t>中性比较词</a:t>
+            </a:r>
+            <a:r>
+              <a:rPr lang="zh-CN" altLang="en-US" sz="2000" dirty="0"/>
+              <a:t>：</a:t>
+            </a:r>
+            <a:r>
+              <a:rPr lang="zh-CN" altLang="en-US" sz="2000" dirty="0" smtClean="0"/>
+              <a:t>比、相比、都比</a:t>
+            </a:r>
+            <a:endParaRPr lang="en-US" altLang="zh-CN" sz="2000" dirty="0"/>
+          </a:p>
+          <a:p>
+            <a:pPr marL="0" indent="0">
+              <a:buNone/>
+            </a:pPr>
+            <a:r>
+              <a:rPr lang="zh-CN" altLang="en-US" sz="2000" dirty="0" smtClean="0"/>
+              <a:t>正面比较</a:t>
+            </a:r>
+            <a:r>
+              <a:rPr lang="zh-CN" altLang="en-US" sz="2000" dirty="0"/>
+              <a:t>词：</a:t>
+            </a:r>
+            <a:r>
+              <a:rPr lang="zh-CN" altLang="en-US" sz="2000" dirty="0" smtClean="0"/>
+              <a:t>优于、领先、遥遥领先、超越、超过、赶上、战胜 、远高于</a:t>
+            </a:r>
+            <a:endParaRPr lang="en-US" altLang="zh-CN" sz="2000" dirty="0" smtClean="0"/>
+          </a:p>
+          <a:p>
+            <a:pPr marL="0" indent="0">
+              <a:buNone/>
+            </a:pPr>
+            <a:r>
+              <a:rPr lang="zh-CN" altLang="en-US" sz="2000" dirty="0" smtClean="0"/>
+              <a:t>负面比较</a:t>
+            </a:r>
+            <a:r>
+              <a:rPr lang="zh-CN" altLang="en-US" sz="2000" dirty="0"/>
+              <a:t>词：</a:t>
+            </a:r>
+            <a:r>
+              <a:rPr lang="zh-CN" altLang="en-US" sz="2000" dirty="0" smtClean="0"/>
+              <a:t>落后、不如、输给、比不上</a:t>
+            </a:r>
+            <a:endParaRPr lang="en-US" altLang="zh-CN" sz="2000" dirty="0" smtClean="0"/>
+          </a:p>
+          <a:p>
+            <a:pPr marL="0" indent="0">
+              <a:buNone/>
+            </a:pPr>
+            <a:r>
+              <a:rPr lang="en-US" altLang="zh-CN" sz="2000" dirty="0" smtClean="0"/>
+              <a:t>1</a:t>
+            </a:r>
+            <a:r>
+              <a:rPr lang="zh-CN" altLang="en-US" sz="2000" dirty="0" smtClean="0"/>
+              <a:t>、搜索比较词</a:t>
+            </a:r>
+            <a:endParaRPr lang="en-US" altLang="zh-CN" sz="2000" dirty="0" smtClean="0"/>
+          </a:p>
+          <a:p>
+            <a:pPr marL="0" indent="0">
+              <a:buNone/>
+            </a:pPr>
+            <a:r>
+              <a:rPr lang="en-US" altLang="zh-CN" sz="2000" dirty="0" smtClean="0"/>
+              <a:t>2</a:t>
+            </a:r>
+            <a:r>
+              <a:rPr lang="zh-CN" altLang="en-US" sz="2000" dirty="0" smtClean="0"/>
+              <a:t>、在比较词前后分别搜索感兴趣的</a:t>
+            </a:r>
+            <a:r>
+              <a:rPr lang="zh-CN" altLang="en-US" sz="2000" dirty="0" smtClean="0"/>
+              <a:t>实体</a:t>
+            </a:r>
+            <a:endParaRPr lang="en-US" altLang="zh-CN" sz="2000" dirty="0" smtClean="0"/>
+          </a:p>
+          <a:p>
+            <a:pPr marL="0" indent="0">
+              <a:buNone/>
+            </a:pPr>
+            <a:r>
+              <a:rPr lang="en-US" altLang="zh-CN" sz="2000" dirty="0" smtClean="0"/>
+              <a:t>3</a:t>
+            </a:r>
+            <a:r>
+              <a:rPr lang="zh-CN" altLang="en-US" sz="2000" dirty="0" smtClean="0"/>
+              <a:t>、中性比较词需要在后实体后再搜索情感词</a:t>
+            </a:r>
+            <a:endParaRPr lang="en-US" altLang="zh-CN" sz="2000" dirty="0" smtClean="0"/>
+          </a:p>
+          <a:p>
+            <a:pPr marL="0" indent="0">
+              <a:buNone/>
+            </a:pPr>
+            <a:r>
+              <a:rPr lang="en-US" altLang="zh-CN" sz="2000" dirty="0" smtClean="0"/>
+              <a:t>4</a:t>
+            </a:r>
+            <a:r>
+              <a:rPr lang="zh-CN" altLang="en-US" sz="2000" dirty="0" smtClean="0"/>
+              <a:t>、根据规则得出情感极性。</a:t>
+            </a:r>
+            <a:endParaRPr lang="en-US" altLang="zh-CN" sz="2000" dirty="0"/>
           </a:p>
         </p:txBody>
       </p:sp>
@@ -3101,6 +3235,85 @@
     <p:extLst>
       <p:ext uri="{BB962C8B-B14F-4D97-AF65-F5344CB8AC3E}">
         <p14:creationId xmlns:p14="http://schemas.microsoft.com/office/powerpoint/2010/main" val="1179883104"/>
+      </p:ext>
+    </p:extLst>
+  </p:cSld>
+  <p:clrMapOvr>
+    <a:masterClrMapping/>
+  </p:clrMapOvr>
+  <p:timing>
+    <p:tnLst>
+      <p:par>
+        <p:cTn id="1" dur="indefinite" restart="never" nodeType="tmRoot"/>
+      </p:par>
+    </p:tnLst>
+  </p:timing>
+</p:sld>
+</file>
+
+<file path=ppt/slides/slide3.xml><?xml version="1.0" encoding="utf-8"?>
+<p:sld xmlns:a="http://schemas.openxmlformats.org/drawingml/2006/main" xmlns:r="http://schemas.openxmlformats.org/officeDocument/2006/relationships" xmlns:p="http://schemas.openxmlformats.org/presentationml/2006/main">
+  <p:cSld>
+    <p:spTree>
+      <p:nvGrpSpPr>
+        <p:cNvPr id="1" name=""/>
+        <p:cNvGrpSpPr/>
+        <p:nvPr/>
+      </p:nvGrpSpPr>
+      <p:grpSpPr>
+        <a:xfrm>
+          <a:off x="0" y="0"/>
+          <a:ext cx="0" cy="0"/>
+          <a:chOff x="0" y="0"/>
+          <a:chExt cx="0" cy="0"/>
+        </a:xfrm>
+      </p:grpSpPr>
+      <p:sp>
+        <p:nvSpPr>
+          <p:cNvPr id="2" name="标题 1"/>
+          <p:cNvSpPr>
+            <a:spLocks noGrp="1"/>
+          </p:cNvSpPr>
+          <p:nvPr>
+            <p:ph type="title"/>
+          </p:nvPr>
+        </p:nvSpPr>
+        <p:spPr/>
+        <p:txBody>
+          <a:bodyPr/>
+          <a:lstStyle/>
+          <a:p>
+            <a:endParaRPr lang="zh-CN" altLang="en-US"/>
+          </a:p>
+        </p:txBody>
+      </p:sp>
+      <p:sp>
+        <p:nvSpPr>
+          <p:cNvPr id="3" name="内容占位符 2"/>
+          <p:cNvSpPr>
+            <a:spLocks noGrp="1"/>
+          </p:cNvSpPr>
+          <p:nvPr>
+            <p:ph idx="1"/>
+          </p:nvPr>
+        </p:nvSpPr>
+        <p:spPr/>
+        <p:txBody>
+          <a:bodyPr/>
+          <a:lstStyle/>
+          <a:p>
+            <a:r>
+              <a:rPr lang="zh-CN" altLang="en-US" dirty="0" smtClean="0"/>
+              <a:t>后续工作：针对品牌实现不限定视角范围的情感模型。</a:t>
+            </a:r>
+            <a:endParaRPr lang="zh-CN" altLang="en-US" dirty="0"/>
+          </a:p>
+        </p:txBody>
+      </p:sp>
+    </p:spTree>
+    <p:extLst>
+      <p:ext uri="{BB962C8B-B14F-4D97-AF65-F5344CB8AC3E}">
+        <p14:creationId xmlns:p14="http://schemas.microsoft.com/office/powerpoint/2010/main" val="1388319439"/>
       </p:ext>
     </p:extLst>
   </p:cSld>

--- a/report/董天智20171130.pptx
+++ b/report/董天智20171130.pptx
@@ -3099,19 +3099,7 @@
           <a:p>
             <a:r>
               <a:rPr lang="zh-CN" altLang="en-US" dirty="0" smtClean="0"/>
-              <a:t>针对模型不能处理比较关系的问题</a:t>
-            </a:r>
-            <a:r>
-              <a:rPr lang="zh-CN" altLang="en-US" dirty="0" smtClean="0"/>
-              <a:t>，在尝试调优无明显效果后，设计</a:t>
-            </a:r>
-            <a:r>
-              <a:rPr lang="zh-CN" altLang="en-US" dirty="0" smtClean="0"/>
-              <a:t>了</a:t>
-            </a:r>
-            <a:r>
-              <a:rPr lang="zh-CN" altLang="en-US" dirty="0" smtClean="0"/>
-              <a:t>规则化方法处理一部分比较关系</a:t>
+              <a:t>针对模型不能处理比较关系的问题，在尝试调优无明显效果后，设计了规则化方法处理一部分比较关系</a:t>
             </a:r>
             <a:endParaRPr lang="en-US" altLang="zh-CN" dirty="0" smtClean="0"/>
           </a:p>
@@ -3129,7 +3117,7 @@
             </a:r>
             <a:r>
               <a:rPr lang="zh-CN" altLang="en-US" sz="2000" dirty="0" smtClean="0"/>
-              <a:t>比、相比、都比</a:t>
+              <a:t>比、相比、都比、都要比</a:t>
             </a:r>
             <a:endParaRPr lang="en-US" altLang="zh-CN" sz="2000" dirty="0"/>
           </a:p>
@@ -3149,6 +3137,14 @@
               <a:rPr lang="zh-CN" altLang="en-US" sz="2000" dirty="0" smtClean="0"/>
               <a:t>优于、领先、遥遥领先、超越、超过、赶上、战胜 、远高于</a:t>
             </a:r>
+            <a:r>
+              <a:rPr lang="zh-CN" altLang="en-US" sz="2000" dirty="0"/>
+              <a:t>、强于、远</a:t>
+            </a:r>
+            <a:r>
+              <a:rPr lang="zh-CN" altLang="en-US" sz="2000" dirty="0" smtClean="0"/>
+              <a:t>超、赶超、甩开、打败、击败、</a:t>
+            </a:r>
             <a:endParaRPr lang="en-US" altLang="zh-CN" sz="2000" dirty="0" smtClean="0"/>
           </a:p>
           <a:p>
@@ -3165,7 +3161,15 @@
             </a:r>
             <a:r>
               <a:rPr lang="zh-CN" altLang="en-US" sz="2000" dirty="0" smtClean="0"/>
-              <a:t>落后、不如、输给、比不上</a:t>
+              <a:t>落后、不如、输给、</a:t>
+            </a:r>
+            <a:r>
+              <a:rPr lang="zh-CN" altLang="en-US" sz="2000" dirty="0"/>
+              <a:t>比不上、逊于、</a:t>
+            </a:r>
+            <a:r>
+              <a:rPr lang="zh-CN" altLang="en-US" sz="2000" dirty="0" smtClean="0"/>
+              <a:t>不及、不敌、负于、受制、败给</a:t>
             </a:r>
             <a:endParaRPr lang="en-US" altLang="zh-CN" sz="2000" dirty="0" smtClean="0"/>
           </a:p>
@@ -3193,11 +3197,7 @@
             </a:r>
             <a:r>
               <a:rPr lang="zh-CN" altLang="en-US" sz="2000" dirty="0" smtClean="0"/>
-              <a:t>、在比较词前后分别搜索感兴趣的</a:t>
-            </a:r>
-            <a:r>
-              <a:rPr lang="zh-CN" altLang="en-US" sz="2000" dirty="0" smtClean="0"/>
-              <a:t>实体</a:t>
+              <a:t>、在比较词前后分别搜索感兴趣的实体</a:t>
             </a:r>
             <a:endParaRPr lang="en-US" altLang="zh-CN" sz="2000" dirty="0" smtClean="0"/>
           </a:p>
@@ -3304,9 +3304,33 @@
           <a:p>
             <a:r>
               <a:rPr lang="zh-CN" altLang="en-US" dirty="0" smtClean="0"/>
-              <a:t>后续工作：针对品牌实现不限定视角范围的情感模型。</a:t>
-            </a:r>
-            <a:endParaRPr lang="zh-CN" altLang="en-US" dirty="0"/>
+              <a:t>后续工作：</a:t>
+            </a:r>
+            <a:endParaRPr lang="en-US" altLang="zh-CN" dirty="0" smtClean="0"/>
+          </a:p>
+          <a:p>
+            <a:pPr marL="0" indent="0">
+              <a:buNone/>
+            </a:pPr>
+            <a:r>
+              <a:rPr lang="zh-CN" altLang="en-US" sz="2000" dirty="0" smtClean="0"/>
+              <a:t>扩充规则方法（考虑加上“被”“把”句型）</a:t>
+            </a:r>
+            <a:endParaRPr lang="en-US" altLang="zh-CN" sz="2000" dirty="0"/>
+          </a:p>
+          <a:p>
+            <a:pPr marL="0" indent="0">
+              <a:buNone/>
+            </a:pPr>
+            <a:r>
+              <a:rPr lang="zh-CN" altLang="en-US" sz="2000" dirty="0" smtClean="0"/>
+              <a:t>针对品牌实现不限定视角范围的情感模型</a:t>
+            </a:r>
+            <a:r>
+              <a:rPr lang="zh-CN" altLang="en-US" sz="2000" dirty="0" smtClean="0"/>
+              <a:t>。（生成待标注数据、模型选取）</a:t>
+            </a:r>
+            <a:endParaRPr lang="zh-CN" altLang="en-US" sz="2000" dirty="0"/>
           </a:p>
         </p:txBody>
       </p:sp>
@@ -3320,6 +3344,13 @@
   <p:clrMapOvr>
     <a:masterClrMapping/>
   </p:clrMapOvr>
+  <p:timing>
+    <p:tnLst>
+      <p:par>
+        <p:cTn id="1" dur="indefinite" restart="never" nodeType="tmRoot"/>
+      </p:par>
+    </p:tnLst>
+  </p:timing>
 </p:sld>
 </file>
 
